--- a/Präsentation6.pptx
+++ b/Präsentation6.pptx
@@ -5,20 +5,21 @@
     <p:sldMasterId id="2147483673" r:id="rId1"/>
   </p:sldMasterIdLst>
   <p:notesMasterIdLst>
-    <p:notesMasterId r:id="rId10"/>
+    <p:notesMasterId r:id="rId11"/>
   </p:notesMasterIdLst>
   <p:handoutMasterIdLst>
-    <p:handoutMasterId r:id="rId11"/>
+    <p:handoutMasterId r:id="rId12"/>
   </p:handoutMasterIdLst>
   <p:sldIdLst>
     <p:sldId id="256" r:id="rId2"/>
-    <p:sldId id="257" r:id="rId3"/>
-    <p:sldId id="260" r:id="rId4"/>
-    <p:sldId id="258" r:id="rId5"/>
-    <p:sldId id="261" r:id="rId6"/>
-    <p:sldId id="263" r:id="rId7"/>
-    <p:sldId id="259" r:id="rId8"/>
-    <p:sldId id="262" r:id="rId9"/>
+    <p:sldId id="264" r:id="rId3"/>
+    <p:sldId id="257" r:id="rId4"/>
+    <p:sldId id="260" r:id="rId5"/>
+    <p:sldId id="258" r:id="rId6"/>
+    <p:sldId id="261" r:id="rId7"/>
+    <p:sldId id="263" r:id="rId8"/>
+    <p:sldId id="259" r:id="rId9"/>
+    <p:sldId id="262" r:id="rId10"/>
   </p:sldIdLst>
   <p:sldSz cx="9144000" cy="6858000" type="screen4x3"/>
   <p:notesSz cx="6858000" cy="9144000"/>
@@ -117,6 +118,22 @@
       </a:defRPr>
     </a:lvl9pPr>
   </p:defaultTextStyle>
+  <p:extLst>
+    <p:ext uri="{EFAFB233-063F-42B5-8137-9DF3F51BA10A}">
+      <p15:sldGuideLst xmlns:p15="http://schemas.microsoft.com/office/powerpoint/2012/main">
+        <p15:guide id="1" orient="horz" pos="2160">
+          <p15:clr>
+            <a:srgbClr val="A4A3A4"/>
+          </p15:clr>
+        </p15:guide>
+        <p15:guide id="2" pos="2880">
+          <p15:clr>
+            <a:srgbClr val="A4A3A4"/>
+          </p15:clr>
+        </p15:guide>
+      </p15:sldGuideLst>
+    </p:ext>
+  </p:extLst>
 </p:presentation>
 </file>
 
@@ -202,7 +219,7 @@
           <a:p>
             <a:fld id="{8BFDB013-AAE0-9540-9477-7378AF81CF82}" type="datetimeFigureOut">
               <a:rPr lang="de-DE" smtClean="0"/>
-              <a:t>29/11/15</a:t>
+              <a:t>29.11.2015</a:t>
             </a:fld>
             <a:endParaRPr lang="de-DE"/>
           </a:p>
@@ -368,7 +385,7 @@
           <a:p>
             <a:fld id="{26F9F8C1-4737-724A-8067-2B940370C6B0}" type="datetimeFigureOut">
               <a:rPr lang="de-DE" smtClean="0"/>
-              <a:t>29/11/15</a:t>
+              <a:t>29.11.2015</a:t>
             </a:fld>
             <a:endParaRPr lang="de-DE"/>
           </a:p>
@@ -671,7 +688,7 @@
           <a:p>
             <a:fld id="{C8EDE061-4032-884A-9DFE-7C63E0B65383}" type="datetime1">
               <a:rPr lang="en-US" smtClean="0"/>
-              <a:t>29/11/15</a:t>
+              <a:t>11/29/2015</a:t>
             </a:fld>
             <a:endParaRPr lang="de-DE"/>
           </a:p>
@@ -1428,7 +1445,7 @@
           <a:p>
             <a:fld id="{B6371A5C-7709-FD4C-B31B-974476BFAC72}" type="datetime1">
               <a:rPr lang="en-US" smtClean="0"/>
-              <a:t>29/11/15</a:t>
+              <a:t>11/29/2015</a:t>
             </a:fld>
             <a:endParaRPr lang="de-DE"/>
           </a:p>
@@ -2052,7 +2069,7 @@
           <a:p>
             <a:fld id="{347C3DCB-1577-534B-AC51-556AE28A68C6}" type="datetime1">
               <a:rPr lang="en-US" smtClean="0"/>
-              <a:t>29/11/15</a:t>
+              <a:t>11/29/2015</a:t>
             </a:fld>
             <a:endParaRPr lang="de-DE"/>
           </a:p>
@@ -2475,7 +2492,7 @@
           <a:p>
             <a:fld id="{D46CD013-FFF3-8A45-982A-F18ECD3C8572}" type="datetime1">
               <a:rPr lang="en-US" smtClean="0"/>
-              <a:t>29/11/15</a:t>
+              <a:t>11/29/2015</a:t>
             </a:fld>
             <a:endParaRPr lang="de-DE"/>
           </a:p>
@@ -2653,7 +2670,7 @@
           <a:p>
             <a:fld id="{D46CD013-FFF3-8A45-982A-F18ECD3C8572}" type="datetime1">
               <a:rPr lang="en-US" smtClean="0"/>
-              <a:t>29/11/15</a:t>
+              <a:t>11/29/2015</a:t>
             </a:fld>
             <a:endParaRPr lang="de-DE"/>
           </a:p>
@@ -3471,7 +3488,7 @@
           <a:p>
             <a:fld id="{D46CD013-FFF3-8A45-982A-F18ECD3C8572}" type="datetime1">
               <a:rPr lang="en-US" smtClean="0"/>
-              <a:t>29/11/15</a:t>
+              <a:t>11/29/2015</a:t>
             </a:fld>
             <a:endParaRPr lang="de-DE"/>
           </a:p>
@@ -3983,7 +4000,7 @@
           <a:p>
             <a:fld id="{4A788BB2-B709-CD41-8752-1A58FB89ADD6}" type="datetime1">
               <a:rPr lang="en-US" smtClean="0"/>
-              <a:t>29/11/15</a:t>
+              <a:t>11/29/2015</a:t>
             </a:fld>
             <a:endParaRPr lang="de-DE"/>
           </a:p>
@@ -4216,7 +4233,7 @@
           <a:p>
             <a:fld id="{0ABB7A6E-CFEC-3849-9413-3D159DA417EC}" type="datetime1">
               <a:rPr lang="en-US" smtClean="0"/>
-              <a:t>29/11/15</a:t>
+              <a:t>11/29/2015</a:t>
             </a:fld>
             <a:endParaRPr lang="de-DE"/>
           </a:p>
@@ -4741,7 +4758,7 @@
           <a:p>
             <a:fld id="{34F7714A-6985-6340-BE41-6F42F3458D80}" type="datetime1">
               <a:rPr lang="en-US" smtClean="0"/>
-              <a:t>29/11/15</a:t>
+              <a:t>11/29/2015</a:t>
             </a:fld>
             <a:endParaRPr lang="de-DE"/>
           </a:p>
@@ -4876,7 +4893,7 @@
           <a:p>
             <a:fld id="{8BEA5ACB-B64A-3F47-89A9-89903A53E802}" type="datetime1">
               <a:rPr lang="en-US" smtClean="0"/>
-              <a:t>29/11/15</a:t>
+              <a:t>11/29/2015</a:t>
             </a:fld>
             <a:endParaRPr lang="de-DE"/>
           </a:p>
@@ -5774,7 +5791,7 @@
           <a:p>
             <a:fld id="{9516BBEE-0774-8D43-B124-2F0CF7A966F8}" type="datetime1">
               <a:rPr lang="en-US" smtClean="0"/>
-              <a:t>29/11/15</a:t>
+              <a:t>11/29/2015</a:t>
             </a:fld>
             <a:endParaRPr lang="de-DE"/>
           </a:p>
@@ -5897,7 +5914,7 @@
           <a:p>
             <a:fld id="{D46CD013-FFF3-8A45-982A-F18ECD3C8572}" type="datetime1">
               <a:rPr lang="en-US" smtClean="0"/>
-              <a:t>29/11/15</a:t>
+              <a:t>11/29/2015</a:t>
             </a:fld>
             <a:endParaRPr lang="de-DE"/>
           </a:p>
@@ -6782,7 +6799,7 @@
           <a:p>
             <a:fld id="{90DCA051-A425-7C41-BF3C-189DFF4DD62E}" type="datetime1">
               <a:rPr lang="en-US" smtClean="0"/>
-              <a:t>29/11/15</a:t>
+              <a:t>11/29/2015</a:t>
             </a:fld>
             <a:endParaRPr lang="de-DE"/>
           </a:p>
@@ -7430,7 +7447,7 @@
           <a:p>
             <a:fld id="{5AC68997-A3CC-8B44-AFBD-54E4CAEB47D8}" type="datetime1">
               <a:rPr lang="en-US" smtClean="0"/>
-              <a:t>29/11/15</a:t>
+              <a:t>11/29/2015</a:t>
             </a:fld>
             <a:endParaRPr lang="de-DE"/>
           </a:p>
@@ -7746,7 +7763,7 @@
           <a:p>
             <a:fld id="{CEC8C745-00F6-B943-9705-4183F45970A1}" type="datetime1">
               <a:rPr lang="en-US" smtClean="0"/>
-              <a:t>29/11/15</a:t>
+              <a:t>11/29/2015</a:t>
             </a:fld>
             <a:endParaRPr lang="de-DE"/>
           </a:p>
@@ -7836,7 +7853,7 @@
           <a:p>
             <a:fld id="{4018004E-44A1-5D4C-A888-439542EE05DD}" type="datetime1">
               <a:rPr lang="en-US" smtClean="0"/>
-              <a:t>29/11/15</a:t>
+              <a:t>11/29/2015</a:t>
             </a:fld>
             <a:endParaRPr lang="de-DE"/>
           </a:p>
@@ -8164,7 +8181,7 @@
           <a:p>
             <a:fld id="{D46CD013-FFF3-8A45-982A-F18ECD3C8572}" type="datetime1">
               <a:rPr lang="en-US" smtClean="0"/>
-              <a:t>29/11/15</a:t>
+              <a:t>11/29/2015</a:t>
             </a:fld>
             <a:endParaRPr lang="de-DE"/>
           </a:p>
@@ -8775,7 +8792,7 @@
   <p:timing>
     <p:tnLst>
       <p:par>
-        <p:cTn xmlns:p14="http://schemas.microsoft.com/office/powerpoint/2010/main" id="1" dur="indefinite" restart="never" nodeType="tmRoot"/>
+        <p:cTn id="1" dur="indefinite" restart="never" nodeType="tmRoot"/>
       </p:par>
     </p:tnLst>
   </p:timing>
@@ -8816,54 +8833,7 @@
           <a:p>
             <a:r>
               <a:rPr lang="de-DE" dirty="0" err="1" smtClean="0"/>
-              <a:t>Determine</a:t>
-            </a:r>
-            <a:r>
-              <a:rPr lang="de-DE" dirty="0" smtClean="0"/>
-              <a:t> </a:t>
-            </a:r>
-            <a:r>
-              <a:rPr lang="de-DE" dirty="0" err="1" smtClean="0"/>
-              <a:t>PSSM‘s</a:t>
-            </a:r>
-            <a:endParaRPr lang="de-DE" dirty="0"/>
-          </a:p>
-        </p:txBody>
-      </p:sp>
-      <p:sp>
-        <p:nvSpPr>
-          <p:cNvPr id="3" name="Inhaltsplatzhalter 2"/>
-          <p:cNvSpPr>
-            <a:spLocks noGrp="1"/>
-          </p:cNvSpPr>
-          <p:nvPr>
-            <p:ph idx="1"/>
-          </p:nvPr>
-        </p:nvSpPr>
-        <p:spPr/>
-        <p:txBody>
-          <a:bodyPr/>
-          <a:lstStyle/>
-          <a:p>
-            <a:r>
-              <a:rPr lang="de-DE" dirty="0" smtClean="0"/>
-              <a:t>Setting </a:t>
-            </a:r>
-            <a:r>
-              <a:rPr lang="de-DE" dirty="0" err="1" smtClean="0"/>
-              <a:t>Splice</a:t>
-            </a:r>
-            <a:r>
-              <a:rPr lang="de-DE" dirty="0" smtClean="0"/>
-              <a:t> Site </a:t>
-            </a:r>
-            <a:r>
-              <a:rPr lang="de-DE" dirty="0" err="1" smtClean="0"/>
-              <a:t>and</a:t>
-            </a:r>
-            <a:r>
-              <a:rPr lang="de-DE" dirty="0" smtClean="0"/>
-              <a:t> Background PSSM</a:t>
+              <a:t>Overview</a:t>
             </a:r>
             <a:endParaRPr lang="de-DE" dirty="0"/>
           </a:p>
@@ -8891,7 +8861,216 @@
           <a:p>
             <a:fld id="{34F7714A-6985-6340-BE41-6F42F3458D80}" type="datetime1">
               <a:rPr lang="en-US" smtClean="0"/>
-              <a:t>29/11/15</a:t>
+              <a:t>11/29/2015</a:t>
+            </a:fld>
+            <a:endParaRPr lang="de-DE" dirty="0"/>
+          </a:p>
+        </p:txBody>
+      </p:sp>
+      <p:sp>
+        <p:nvSpPr>
+          <p:cNvPr id="5" name="Fußzeilenplatzhalter 4"/>
+          <p:cNvSpPr>
+            <a:spLocks noGrp="1"/>
+          </p:cNvSpPr>
+          <p:nvPr>
+            <p:ph type="ftr" sz="quarter" idx="11"/>
+          </p:nvPr>
+        </p:nvSpPr>
+        <p:spPr>
+          <a:xfrm>
+            <a:off x="549275" y="6275668"/>
+            <a:ext cx="4840941" cy="365125"/>
+          </a:xfrm>
+        </p:spPr>
+        <p:txBody>
+          <a:bodyPr/>
+          <a:lstStyle/>
+          <a:p>
+            <a:r>
+              <a:rPr lang="de-DE" sz="1000" dirty="0" smtClean="0"/>
+              <a:t>Jacob </a:t>
+            </a:r>
+            <a:r>
+              <a:rPr lang="de-DE" sz="1000" dirty="0" err="1" smtClean="0"/>
+              <a:t>Rassmusen</a:t>
+            </a:r>
+            <a:r>
+              <a:rPr lang="de-DE" sz="1000" dirty="0" smtClean="0"/>
+              <a:t>, Fabrizio </a:t>
+            </a:r>
+            <a:r>
+              <a:rPr lang="de-DE" sz="1000" dirty="0" err="1" smtClean="0"/>
+              <a:t>Parillo</a:t>
+            </a:r>
+            <a:r>
+              <a:rPr lang="de-DE" sz="1000" dirty="0" smtClean="0"/>
+              <a:t>, Steffen Griesch</a:t>
+            </a:r>
+            <a:endParaRPr lang="de-DE" sz="1000" dirty="0"/>
+          </a:p>
+        </p:txBody>
+      </p:sp>
+      <p:pic>
+        <p:nvPicPr>
+          <p:cNvPr id="8" name="Grafik 7"/>
+          <p:cNvPicPr>
+            <a:picLocks noChangeAspect="1"/>
+          </p:cNvPicPr>
+          <p:nvPr/>
+        </p:nvPicPr>
+        <p:blipFill>
+          <a:blip r:embed="rId2">
+            <a:extLst>
+              <a:ext uri="{28A0092B-C50C-407E-A947-70E740481C1C}">
+                <a14:useLocalDpi xmlns:a14="http://schemas.microsoft.com/office/drawing/2010/main" val="0"/>
+              </a:ext>
+            </a:extLst>
+          </a:blip>
+          <a:stretch>
+            <a:fillRect/>
+          </a:stretch>
+        </p:blipFill>
+        <p:spPr>
+          <a:xfrm>
+            <a:off x="2744700" y="1793337"/>
+            <a:ext cx="3653012" cy="4287215"/>
+          </a:xfrm>
+          <a:prstGeom prst="rect">
+            <a:avLst/>
+          </a:prstGeom>
+        </p:spPr>
+      </p:pic>
+    </p:spTree>
+    <p:extLst>
+      <p:ext uri="{BB962C8B-B14F-4D97-AF65-F5344CB8AC3E}">
+        <p14:creationId xmlns:p14="http://schemas.microsoft.com/office/powerpoint/2010/main" val="2185878041"/>
+      </p:ext>
+    </p:extLst>
+  </p:cSld>
+  <p:clrMapOvr>
+    <a:masterClrMapping/>
+  </p:clrMapOvr>
+  <p:timing>
+    <p:tnLst>
+      <p:par>
+        <p:cTn id="1" dur="indefinite" restart="never" nodeType="tmRoot"/>
+      </p:par>
+    </p:tnLst>
+  </p:timing>
+</p:sld>
+</file>
+
+<file path=ppt/slides/slide3.xml><?xml version="1.0" encoding="utf-8"?>
+<p:sld xmlns:a="http://schemas.openxmlformats.org/drawingml/2006/main" xmlns:r="http://schemas.openxmlformats.org/officeDocument/2006/relationships" xmlns:p="http://schemas.openxmlformats.org/presentationml/2006/main">
+  <p:cSld>
+    <p:spTree>
+      <p:nvGrpSpPr>
+        <p:cNvPr id="1" name=""/>
+        <p:cNvGrpSpPr/>
+        <p:nvPr/>
+      </p:nvGrpSpPr>
+      <p:grpSpPr>
+        <a:xfrm>
+          <a:off x="0" y="0"/>
+          <a:ext cx="0" cy="0"/>
+          <a:chOff x="0" y="0"/>
+          <a:chExt cx="0" cy="0"/>
+        </a:xfrm>
+      </p:grpSpPr>
+      <p:sp>
+        <p:nvSpPr>
+          <p:cNvPr id="2" name="Titel 1"/>
+          <p:cNvSpPr>
+            <a:spLocks noGrp="1"/>
+          </p:cNvSpPr>
+          <p:nvPr>
+            <p:ph type="title"/>
+          </p:nvPr>
+        </p:nvSpPr>
+        <p:spPr/>
+        <p:txBody>
+          <a:bodyPr/>
+          <a:lstStyle/>
+          <a:p>
+            <a:r>
+              <a:rPr lang="de-DE" dirty="0" err="1" smtClean="0"/>
+              <a:t>Determine</a:t>
+            </a:r>
+            <a:r>
+              <a:rPr lang="de-DE" dirty="0" smtClean="0"/>
+              <a:t> </a:t>
+            </a:r>
+            <a:r>
+              <a:rPr lang="de-DE" dirty="0" err="1" smtClean="0"/>
+              <a:t>PSSM‘s</a:t>
+            </a:r>
+            <a:endParaRPr lang="de-DE" dirty="0"/>
+          </a:p>
+        </p:txBody>
+      </p:sp>
+      <p:sp>
+        <p:nvSpPr>
+          <p:cNvPr id="3" name="Inhaltsplatzhalter 2"/>
+          <p:cNvSpPr>
+            <a:spLocks noGrp="1"/>
+          </p:cNvSpPr>
+          <p:nvPr>
+            <p:ph idx="1"/>
+          </p:nvPr>
+        </p:nvSpPr>
+        <p:spPr/>
+        <p:txBody>
+          <a:bodyPr/>
+          <a:lstStyle/>
+          <a:p>
+            <a:r>
+              <a:rPr lang="de-DE" dirty="0" smtClean="0"/>
+              <a:t>Setting </a:t>
+            </a:r>
+            <a:r>
+              <a:rPr lang="de-DE" dirty="0" err="1" smtClean="0"/>
+              <a:t>Splice</a:t>
+            </a:r>
+            <a:r>
+              <a:rPr lang="de-DE" dirty="0" smtClean="0"/>
+              <a:t> Site </a:t>
+            </a:r>
+            <a:r>
+              <a:rPr lang="de-DE" dirty="0" err="1" smtClean="0"/>
+              <a:t>and</a:t>
+            </a:r>
+            <a:r>
+              <a:rPr lang="de-DE" dirty="0" smtClean="0"/>
+              <a:t> Background PSSM</a:t>
+            </a:r>
+            <a:endParaRPr lang="de-DE" dirty="0"/>
+          </a:p>
+        </p:txBody>
+      </p:sp>
+      <p:sp>
+        <p:nvSpPr>
+          <p:cNvPr id="4" name="Datumsplatzhalter 3"/>
+          <p:cNvSpPr>
+            <a:spLocks noGrp="1"/>
+          </p:cNvSpPr>
+          <p:nvPr>
+            <p:ph type="dt" sz="half" idx="10"/>
+          </p:nvPr>
+        </p:nvSpPr>
+        <p:spPr>
+          <a:xfrm>
+            <a:off x="6457951" y="6275668"/>
+            <a:ext cx="2133600" cy="365125"/>
+          </a:xfrm>
+        </p:spPr>
+        <p:txBody>
+          <a:bodyPr/>
+          <a:lstStyle/>
+          <a:p>
+            <a:fld id="{34F7714A-6985-6340-BE41-6F42F3458D80}" type="datetime1">
+              <a:rPr lang="en-US" smtClean="0"/>
+              <a:t>11/29/2015</a:t>
             </a:fld>
             <a:endParaRPr lang="de-DE" dirty="0"/>
           </a:p>
@@ -8984,14 +9163,14 @@
   <p:timing>
     <p:tnLst>
       <p:par>
-        <p:cTn xmlns:p14="http://schemas.microsoft.com/office/powerpoint/2010/main" id="1" dur="indefinite" restart="never" nodeType="tmRoot"/>
+        <p:cTn id="1" dur="indefinite" restart="never" nodeType="tmRoot"/>
       </p:par>
     </p:tnLst>
   </p:timing>
 </p:sld>
 </file>
 
-<file path=ppt/slides/slide3.xml><?xml version="1.0" encoding="utf-8"?>
+<file path=ppt/slides/slide4.xml><?xml version="1.0" encoding="utf-8"?>
 <p:sld xmlns:a="http://schemas.openxmlformats.org/drawingml/2006/main" xmlns:r="http://schemas.openxmlformats.org/officeDocument/2006/relationships" xmlns:p="http://schemas.openxmlformats.org/presentationml/2006/main">
   <p:cSld>
     <p:spTree>
@@ -9096,7 +9275,7 @@
           <a:p>
             <a:fld id="{34F7714A-6985-6340-BE41-6F42F3458D80}" type="datetime1">
               <a:rPr lang="en-US" smtClean="0"/>
-              <a:t>29/11/15</a:t>
+              <a:t>11/29/2015</a:t>
             </a:fld>
             <a:endParaRPr lang="de-DE"/>
           </a:p>
@@ -9142,7 +9321,6 @@
               <a:rPr lang="de-DE" dirty="0"/>
               <a:t>, Steffen Griesch</a:t>
             </a:r>
-            <a:endParaRPr lang="de-DE" dirty="0"/>
           </a:p>
         </p:txBody>
       </p:sp>
@@ -9189,14 +9367,14 @@
   <p:timing>
     <p:tnLst>
       <p:par>
-        <p:cTn xmlns:p14="http://schemas.microsoft.com/office/powerpoint/2010/main" id="1" dur="indefinite" restart="never" nodeType="tmRoot"/>
+        <p:cTn id="1" dur="indefinite" restart="never" nodeType="tmRoot"/>
       </p:par>
     </p:tnLst>
   </p:timing>
 </p:sld>
 </file>
 
-<file path=ppt/slides/slide4.xml><?xml version="1.0" encoding="utf-8"?>
+<file path=ppt/slides/slide5.xml><?xml version="1.0" encoding="utf-8"?>
 <p:sld xmlns:a="http://schemas.openxmlformats.org/drawingml/2006/main" xmlns:r="http://schemas.openxmlformats.org/officeDocument/2006/relationships" xmlns:p="http://schemas.openxmlformats.org/presentationml/2006/main">
   <p:cSld>
     <p:spTree>
@@ -9301,7 +9479,7 @@
           <a:p>
             <a:fld id="{34F7714A-6985-6340-BE41-6F42F3458D80}" type="datetime1">
               <a:rPr lang="en-US" smtClean="0"/>
-              <a:t>29/11/15</a:t>
+              <a:t>11/29/2015</a:t>
             </a:fld>
             <a:endParaRPr lang="de-DE"/>
           </a:p>
@@ -9347,7 +9525,6 @@
               <a:rPr lang="de-DE" dirty="0"/>
               <a:t>, Steffen Griesch</a:t>
             </a:r>
-            <a:endParaRPr lang="de-DE" dirty="0"/>
           </a:p>
         </p:txBody>
       </p:sp>
@@ -9394,14 +9571,14 @@
   <p:timing>
     <p:tnLst>
       <p:par>
-        <p:cTn xmlns:p14="http://schemas.microsoft.com/office/powerpoint/2010/main" id="1" dur="indefinite" restart="never" nodeType="tmRoot"/>
+        <p:cTn id="1" dur="indefinite" restart="never" nodeType="tmRoot"/>
       </p:par>
     </p:tnLst>
   </p:timing>
 </p:sld>
 </file>
 
-<file path=ppt/slides/slide5.xml><?xml version="1.0" encoding="utf-8"?>
+<file path=ppt/slides/slide6.xml><?xml version="1.0" encoding="utf-8"?>
 <p:sld xmlns:a="http://schemas.openxmlformats.org/drawingml/2006/main" xmlns:r="http://schemas.openxmlformats.org/officeDocument/2006/relationships" xmlns:p="http://schemas.openxmlformats.org/presentationml/2006/main">
   <p:cSld>
     <p:spTree>
@@ -9463,7 +9640,7 @@
           <a:p>
             <a:fld id="{34F7714A-6985-6340-BE41-6F42F3458D80}" type="datetime1">
               <a:rPr lang="en-US" smtClean="0"/>
-              <a:t>29/11/15</a:t>
+              <a:t>11/29/2015</a:t>
             </a:fld>
             <a:endParaRPr lang="de-DE"/>
           </a:p>
@@ -9509,7 +9686,6 @@
               <a:rPr lang="de-DE" dirty="0"/>
               <a:t>, Steffen Griesch</a:t>
             </a:r>
-            <a:endParaRPr lang="de-DE" dirty="0"/>
           </a:p>
         </p:txBody>
       </p:sp>
@@ -9551,164 +9727,7 @@
   <p:timing>
     <p:tnLst>
       <p:par>
-        <p:cTn xmlns:p14="http://schemas.microsoft.com/office/powerpoint/2010/main" id="1" dur="indefinite" restart="never" nodeType="tmRoot"/>
-      </p:par>
-    </p:tnLst>
-  </p:timing>
-</p:sld>
-</file>
-
-<file path=ppt/slides/slide6.xml><?xml version="1.0" encoding="utf-8"?>
-<p:sld xmlns:a="http://schemas.openxmlformats.org/drawingml/2006/main" xmlns:r="http://schemas.openxmlformats.org/officeDocument/2006/relationships" xmlns:p="http://schemas.openxmlformats.org/presentationml/2006/main">
-  <p:cSld>
-    <p:spTree>
-      <p:nvGrpSpPr>
-        <p:cNvPr id="1" name=""/>
-        <p:cNvGrpSpPr/>
-        <p:nvPr/>
-      </p:nvGrpSpPr>
-      <p:grpSpPr>
-        <a:xfrm>
-          <a:off x="0" y="0"/>
-          <a:ext cx="0" cy="0"/>
-          <a:chOff x="0" y="0"/>
-          <a:chExt cx="0" cy="0"/>
-        </a:xfrm>
-      </p:grpSpPr>
-      <p:sp>
-        <p:nvSpPr>
-          <p:cNvPr id="2" name="Titel 1"/>
-          <p:cNvSpPr>
-            <a:spLocks noGrp="1"/>
-          </p:cNvSpPr>
-          <p:nvPr>
-            <p:ph type="title"/>
-          </p:nvPr>
-        </p:nvSpPr>
-        <p:spPr/>
-        <p:txBody>
-          <a:bodyPr/>
-          <a:lstStyle/>
-          <a:p>
-            <a:r>
-              <a:rPr lang="de-DE" dirty="0" smtClean="0"/>
-              <a:t>Cut Off 	2/2</a:t>
-            </a:r>
-            <a:endParaRPr lang="de-DE" dirty="0"/>
-          </a:p>
-        </p:txBody>
-      </p:sp>
-      <p:pic>
-        <p:nvPicPr>
-          <p:cNvPr id="6" name="Inhaltsplatzhalter 5" descr="Screen Shot 2015-11-29 at 13.52.27.png"/>
-          <p:cNvPicPr>
-            <a:picLocks noGrp="1" noChangeAspect="1"/>
-          </p:cNvPicPr>
-          <p:nvPr>
-            <p:ph idx="1"/>
-          </p:nvPr>
-        </p:nvPicPr>
-        <p:blipFill>
-          <a:blip r:embed="rId2">
-            <a:extLst>
-              <a:ext uri="{28A0092B-C50C-407E-A947-70E740481C1C}">
-                <a14:useLocalDpi xmlns:a14="http://schemas.microsoft.com/office/drawing/2010/main" val="0"/>
-              </a:ext>
-            </a:extLst>
-          </a:blip>
-          <a:srcRect l="-1092" r="-1092"/>
-          <a:stretch>
-            <a:fillRect/>
-          </a:stretch>
-        </p:blipFill>
-        <p:spPr/>
-      </p:pic>
-      <p:sp>
-        <p:nvSpPr>
-          <p:cNvPr id="4" name="Datumsplatzhalter 3"/>
-          <p:cNvSpPr>
-            <a:spLocks noGrp="1"/>
-          </p:cNvSpPr>
-          <p:nvPr>
-            <p:ph type="dt" sz="half" idx="10"/>
-          </p:nvPr>
-        </p:nvSpPr>
-        <p:spPr>
-          <a:xfrm>
-            <a:off x="6457951" y="6271405"/>
-            <a:ext cx="2133600" cy="365125"/>
-          </a:xfrm>
-        </p:spPr>
-        <p:txBody>
-          <a:bodyPr/>
-          <a:lstStyle/>
-          <a:p>
-            <a:fld id="{34F7714A-6985-6340-BE41-6F42F3458D80}" type="datetime1">
-              <a:rPr lang="en-US" smtClean="0"/>
-              <a:t>29/11/15</a:t>
-            </a:fld>
-            <a:endParaRPr lang="de-DE"/>
-          </a:p>
-        </p:txBody>
-      </p:sp>
-      <p:sp>
-        <p:nvSpPr>
-          <p:cNvPr id="5" name="Fußzeilenplatzhalter 4"/>
-          <p:cNvSpPr>
-            <a:spLocks noGrp="1"/>
-          </p:cNvSpPr>
-          <p:nvPr>
-            <p:ph type="ftr" sz="quarter" idx="11"/>
-          </p:nvPr>
-        </p:nvSpPr>
-        <p:spPr>
-          <a:xfrm>
-            <a:off x="549275" y="6275668"/>
-            <a:ext cx="4840941" cy="365125"/>
-          </a:xfrm>
-        </p:spPr>
-        <p:txBody>
-          <a:bodyPr/>
-          <a:lstStyle/>
-          <a:p>
-            <a:r>
-              <a:rPr lang="de-DE" dirty="0"/>
-              <a:t>Jacob </a:t>
-            </a:r>
-            <a:r>
-              <a:rPr lang="de-DE" dirty="0" err="1"/>
-              <a:t>Rassmusen</a:t>
-            </a:r>
-            <a:r>
-              <a:rPr lang="de-DE" dirty="0"/>
-              <a:t>, Fabrizio </a:t>
-            </a:r>
-            <a:r>
-              <a:rPr lang="de-DE" dirty="0" err="1" smtClean="0"/>
-              <a:t>Parillo</a:t>
-            </a:r>
-            <a:r>
-              <a:rPr lang="de-DE" dirty="0"/>
-              <a:t>, Steffen Griesch</a:t>
-            </a:r>
-            <a:endParaRPr lang="de-DE" dirty="0"/>
-          </a:p>
-        </p:txBody>
-      </p:sp>
-    </p:spTree>
-    <p:extLst>
-      <p:ext uri="{BB962C8B-B14F-4D97-AF65-F5344CB8AC3E}">
-        <p14:creationId xmlns:p14="http://schemas.microsoft.com/office/powerpoint/2010/main" val="3997304454"/>
-      </p:ext>
-    </p:extLst>
-  </p:cSld>
-  <p:clrMapOvr>
-    <a:masterClrMapping/>
-  </p:clrMapOvr>
-  <p:timing>
-    <p:tnLst>
-      <p:par>
-        <p:cTn xmlns:p14="http://schemas.microsoft.com/office/powerpoint/2010/main" id="1" dur="indefinite" restart="never" nodeType="tmRoot"/>
+        <p:cTn id="1" dur="indefinite" restart="never" nodeType="tmRoot"/>
       </p:par>
     </p:tnLst>
   </p:timing>
@@ -9748,20 +9767,8 @@
           <a:lstStyle/>
           <a:p>
             <a:r>
-              <a:rPr lang="de-DE" dirty="0" err="1" smtClean="0"/>
-              <a:t>Scores</a:t>
-            </a:r>
-            <a:r>
               <a:rPr lang="de-DE" dirty="0" smtClean="0"/>
-              <a:t> </a:t>
-            </a:r>
-            <a:r>
-              <a:rPr lang="de-DE" dirty="0" err="1" smtClean="0"/>
-              <a:t>with</a:t>
-            </a:r>
-            <a:r>
-              <a:rPr lang="de-DE" dirty="0" smtClean="0"/>
-              <a:t> Cut Off </a:t>
+              <a:t>Cut Off 	2/2</a:t>
             </a:r>
             <a:endParaRPr lang="de-DE" dirty="0"/>
           </a:p>
@@ -9769,7 +9776,7 @@
       </p:sp>
       <p:pic>
         <p:nvPicPr>
-          <p:cNvPr id="6" name="Inhaltsplatzhalter 5" descr="figure_1.png"/>
+          <p:cNvPr id="6" name="Inhaltsplatzhalter 5" descr="Screen Shot 2015-11-29 at 13.52.27.png"/>
           <p:cNvPicPr>
             <a:picLocks noGrp="1" noChangeAspect="1"/>
           </p:cNvPicPr>
@@ -9785,7 +9792,7 @@
               </a:ext>
             </a:extLst>
           </a:blip>
-          <a:srcRect l="-16468" r="-16468"/>
+          <a:srcRect l="-1092" r="-1092"/>
           <a:stretch>
             <a:fillRect/>
           </a:stretch>
@@ -9814,7 +9821,7 @@
           <a:p>
             <a:fld id="{34F7714A-6985-6340-BE41-6F42F3458D80}" type="datetime1">
               <a:rPr lang="en-US" smtClean="0"/>
-              <a:t>29/11/15</a:t>
+              <a:t>11/29/2015</a:t>
             </a:fld>
             <a:endParaRPr lang="de-DE"/>
           </a:p>
@@ -9860,14 +9867,13 @@
               <a:rPr lang="de-DE" dirty="0"/>
               <a:t>, Steffen Griesch</a:t>
             </a:r>
-            <a:endParaRPr lang="de-DE" dirty="0"/>
           </a:p>
         </p:txBody>
       </p:sp>
     </p:spTree>
     <p:extLst>
       <p:ext uri="{BB962C8B-B14F-4D97-AF65-F5344CB8AC3E}">
-        <p14:creationId xmlns:p14="http://schemas.microsoft.com/office/powerpoint/2010/main" val="3459048649"/>
+        <p14:creationId xmlns:p14="http://schemas.microsoft.com/office/powerpoint/2010/main" val="3997304454"/>
       </p:ext>
     </p:extLst>
   </p:cSld>
@@ -9877,7 +9883,7 @@
   <p:timing>
     <p:tnLst>
       <p:par>
-        <p:cTn xmlns:p14="http://schemas.microsoft.com/office/powerpoint/2010/main" id="1" dur="indefinite" restart="never" nodeType="tmRoot"/>
+        <p:cTn id="1" dur="indefinite" restart="never" nodeType="tmRoot"/>
       </p:par>
     </p:tnLst>
   </p:timing>
@@ -9920,13 +9926,25 @@
               <a:rPr lang="de-DE" dirty="0" err="1" smtClean="0"/>
               <a:t>Scores</a:t>
             </a:r>
+            <a:r>
+              <a:rPr lang="de-DE" dirty="0" smtClean="0"/>
+              <a:t> </a:t>
+            </a:r>
+            <a:r>
+              <a:rPr lang="de-DE" dirty="0" err="1" smtClean="0"/>
+              <a:t>with</a:t>
+            </a:r>
+            <a:r>
+              <a:rPr lang="de-DE" dirty="0" smtClean="0"/>
+              <a:t> Cut Off </a:t>
+            </a:r>
             <a:endParaRPr lang="de-DE" dirty="0"/>
           </a:p>
         </p:txBody>
       </p:sp>
       <p:pic>
         <p:nvPicPr>
-          <p:cNvPr id="6" name="Inhaltsplatzhalter 5" descr="figure_2.png"/>
+          <p:cNvPr id="6" name="Inhaltsplatzhalter 5" descr="figure_1.png"/>
           <p:cNvPicPr>
             <a:picLocks noGrp="1" noChangeAspect="1"/>
           </p:cNvPicPr>
@@ -9971,7 +9989,7 @@
           <a:p>
             <a:fld id="{34F7714A-6985-6340-BE41-6F42F3458D80}" type="datetime1">
               <a:rPr lang="en-US" smtClean="0"/>
-              <a:t>29/11/15</a:t>
+              <a:t>11/29/2015</a:t>
             </a:fld>
             <a:endParaRPr lang="de-DE"/>
           </a:p>
@@ -10017,7 +10035,162 @@
               <a:rPr lang="de-DE" dirty="0"/>
               <a:t>, Steffen Griesch</a:t>
             </a:r>
+          </a:p>
+        </p:txBody>
+      </p:sp>
+    </p:spTree>
+    <p:extLst>
+      <p:ext uri="{BB962C8B-B14F-4D97-AF65-F5344CB8AC3E}">
+        <p14:creationId xmlns:p14="http://schemas.microsoft.com/office/powerpoint/2010/main" val="3459048649"/>
+      </p:ext>
+    </p:extLst>
+  </p:cSld>
+  <p:clrMapOvr>
+    <a:masterClrMapping/>
+  </p:clrMapOvr>
+  <p:timing>
+    <p:tnLst>
+      <p:par>
+        <p:cTn id="1" dur="indefinite" restart="never" nodeType="tmRoot"/>
+      </p:par>
+    </p:tnLst>
+  </p:timing>
+</p:sld>
+</file>
+
+<file path=ppt/slides/slide9.xml><?xml version="1.0" encoding="utf-8"?>
+<p:sld xmlns:a="http://schemas.openxmlformats.org/drawingml/2006/main" xmlns:r="http://schemas.openxmlformats.org/officeDocument/2006/relationships" xmlns:p="http://schemas.openxmlformats.org/presentationml/2006/main">
+  <p:cSld>
+    <p:spTree>
+      <p:nvGrpSpPr>
+        <p:cNvPr id="1" name=""/>
+        <p:cNvGrpSpPr/>
+        <p:nvPr/>
+      </p:nvGrpSpPr>
+      <p:grpSpPr>
+        <a:xfrm>
+          <a:off x="0" y="0"/>
+          <a:ext cx="0" cy="0"/>
+          <a:chOff x="0" y="0"/>
+          <a:chExt cx="0" cy="0"/>
+        </a:xfrm>
+      </p:grpSpPr>
+      <p:sp>
+        <p:nvSpPr>
+          <p:cNvPr id="2" name="Titel 1"/>
+          <p:cNvSpPr>
+            <a:spLocks noGrp="1"/>
+          </p:cNvSpPr>
+          <p:nvPr>
+            <p:ph type="title"/>
+          </p:nvPr>
+        </p:nvSpPr>
+        <p:spPr/>
+        <p:txBody>
+          <a:bodyPr/>
+          <a:lstStyle/>
+          <a:p>
+            <a:r>
+              <a:rPr lang="de-DE" dirty="0" err="1" smtClean="0"/>
+              <a:t>Scores</a:t>
+            </a:r>
             <a:endParaRPr lang="de-DE" dirty="0"/>
+          </a:p>
+        </p:txBody>
+      </p:sp>
+      <p:pic>
+        <p:nvPicPr>
+          <p:cNvPr id="6" name="Inhaltsplatzhalter 5" descr="figure_2.png"/>
+          <p:cNvPicPr>
+            <a:picLocks noGrp="1" noChangeAspect="1"/>
+          </p:cNvPicPr>
+          <p:nvPr>
+            <p:ph idx="1"/>
+          </p:nvPr>
+        </p:nvPicPr>
+        <p:blipFill>
+          <a:blip r:embed="rId2">
+            <a:extLst>
+              <a:ext uri="{28A0092B-C50C-407E-A947-70E740481C1C}">
+                <a14:useLocalDpi xmlns:a14="http://schemas.microsoft.com/office/drawing/2010/main" val="0"/>
+              </a:ext>
+            </a:extLst>
+          </a:blip>
+          <a:srcRect l="-16468" r="-16468"/>
+          <a:stretch>
+            <a:fillRect/>
+          </a:stretch>
+        </p:blipFill>
+        <p:spPr/>
+      </p:pic>
+      <p:sp>
+        <p:nvSpPr>
+          <p:cNvPr id="4" name="Datumsplatzhalter 3"/>
+          <p:cNvSpPr>
+            <a:spLocks noGrp="1"/>
+          </p:cNvSpPr>
+          <p:nvPr>
+            <p:ph type="dt" sz="half" idx="10"/>
+          </p:nvPr>
+        </p:nvSpPr>
+        <p:spPr>
+          <a:xfrm>
+            <a:off x="6457951" y="6271405"/>
+            <a:ext cx="2133600" cy="365125"/>
+          </a:xfrm>
+        </p:spPr>
+        <p:txBody>
+          <a:bodyPr/>
+          <a:lstStyle/>
+          <a:p>
+            <a:fld id="{34F7714A-6985-6340-BE41-6F42F3458D80}" type="datetime1">
+              <a:rPr lang="en-US" smtClean="0"/>
+              <a:t>11/29/2015</a:t>
+            </a:fld>
+            <a:endParaRPr lang="de-DE"/>
+          </a:p>
+        </p:txBody>
+      </p:sp>
+      <p:sp>
+        <p:nvSpPr>
+          <p:cNvPr id="5" name="Fußzeilenplatzhalter 4"/>
+          <p:cNvSpPr>
+            <a:spLocks noGrp="1"/>
+          </p:cNvSpPr>
+          <p:nvPr>
+            <p:ph type="ftr" sz="quarter" idx="11"/>
+          </p:nvPr>
+        </p:nvSpPr>
+        <p:spPr>
+          <a:xfrm>
+            <a:off x="549275" y="6275668"/>
+            <a:ext cx="4840941" cy="365125"/>
+          </a:xfrm>
+        </p:spPr>
+        <p:txBody>
+          <a:bodyPr/>
+          <a:lstStyle/>
+          <a:p>
+            <a:r>
+              <a:rPr lang="de-DE" dirty="0"/>
+              <a:t>Jacob </a:t>
+            </a:r>
+            <a:r>
+              <a:rPr lang="de-DE" dirty="0" err="1"/>
+              <a:t>Rassmusen</a:t>
+            </a:r>
+            <a:r>
+              <a:rPr lang="de-DE" dirty="0"/>
+              <a:t>, Fabrizio </a:t>
+            </a:r>
+            <a:r>
+              <a:rPr lang="de-DE" dirty="0" err="1" smtClean="0"/>
+              <a:t>Parillo</a:t>
+            </a:r>
+            <a:r>
+              <a:rPr lang="de-DE" dirty="0"/>
+              <a:t>, Steffen Griesch</a:t>
+            </a:r>
           </a:p>
         </p:txBody>
       </p:sp>
@@ -10034,7 +10207,7 @@
   <p:timing>
     <p:tnLst>
       <p:par>
-        <p:cTn xmlns:p14="http://schemas.microsoft.com/office/powerpoint/2010/main" id="1" dur="indefinite" restart="never" nodeType="tmRoot"/>
+        <p:cTn id="1" dur="indefinite" restart="never" nodeType="tmRoot"/>
       </p:par>
     </p:tnLst>
   </p:timing>

--- a/Präsentation6.pptx
+++ b/Präsentation6.pptx
@@ -120,7 +120,7 @@
   </p:defaultTextStyle>
   <p:extLst>
     <p:ext uri="{EFAFB233-063F-42B5-8137-9DF3F51BA10A}">
-      <p15:sldGuideLst xmlns:p15="http://schemas.microsoft.com/office/powerpoint/2012/main">
+      <p15:sldGuideLst xmlns:p15="http://schemas.microsoft.com/office/powerpoint/2012/main" xmlns="">
         <p15:guide id="1" orient="horz" pos="2160">
           <p15:clr>
             <a:srgbClr val="A4A3A4"/>
@@ -219,7 +219,7 @@
           <a:p>
             <a:fld id="{8BFDB013-AAE0-9540-9477-7378AF81CF82}" type="datetimeFigureOut">
               <a:rPr lang="de-DE" smtClean="0"/>
-              <a:t>29.11.2015</a:t>
+              <a:t>30/11/15</a:t>
             </a:fld>
             <a:endParaRPr lang="de-DE"/>
           </a:p>
@@ -385,7 +385,7 @@
           <a:p>
             <a:fld id="{26F9F8C1-4737-724A-8067-2B940370C6B0}" type="datetimeFigureOut">
               <a:rPr lang="de-DE" smtClean="0"/>
-              <a:t>29.11.2015</a:t>
+              <a:t>30/11/15</a:t>
             </a:fld>
             <a:endParaRPr lang="de-DE"/>
           </a:p>
@@ -654,6 +654,214 @@
 </p:notesMaster>
 </file>
 
+<file path=ppt/notesSlides/notesSlide1.xml><?xml version="1.0" encoding="utf-8"?>
+<p:notes xmlns:a="http://schemas.openxmlformats.org/drawingml/2006/main" xmlns:r="http://schemas.openxmlformats.org/officeDocument/2006/relationships" xmlns:p="http://schemas.openxmlformats.org/presentationml/2006/main">
+  <p:cSld>
+    <p:spTree>
+      <p:nvGrpSpPr>
+        <p:cNvPr id="1" name=""/>
+        <p:cNvGrpSpPr/>
+        <p:nvPr/>
+      </p:nvGrpSpPr>
+      <p:grpSpPr>
+        <a:xfrm>
+          <a:off x="0" y="0"/>
+          <a:ext cx="0" cy="0"/>
+          <a:chOff x="0" y="0"/>
+          <a:chExt cx="0" cy="0"/>
+        </a:xfrm>
+      </p:grpSpPr>
+      <p:sp>
+        <p:nvSpPr>
+          <p:cNvPr id="2" name="Folienbildplatzhalter 1"/>
+          <p:cNvSpPr>
+            <a:spLocks noGrp="1" noRot="1" noChangeAspect="1"/>
+          </p:cNvSpPr>
+          <p:nvPr>
+            <p:ph type="sldImg"/>
+          </p:nvPr>
+        </p:nvSpPr>
+        <p:spPr/>
+      </p:sp>
+      <p:sp>
+        <p:nvSpPr>
+          <p:cNvPr id="3" name="Notizenplatzhalter 2"/>
+          <p:cNvSpPr>
+            <a:spLocks noGrp="1"/>
+          </p:cNvSpPr>
+          <p:nvPr>
+            <p:ph type="body" idx="1"/>
+          </p:nvPr>
+        </p:nvSpPr>
+        <p:spPr/>
+        <p:txBody>
+          <a:bodyPr/>
+          <a:lstStyle/>
+          <a:p>
+            <a:pPr marL="0" marR="0" indent="0" algn="l" defTabSz="457200" rtl="0" eaLnBrk="1" fontAlgn="auto" latinLnBrk="0" hangingPunct="1">
+              <a:lnSpc>
+                <a:spcPct val="100000"/>
+              </a:lnSpc>
+              <a:spcBef>
+                <a:spcPts val="0"/>
+              </a:spcBef>
+              <a:spcAft>
+                <a:spcPts val="0"/>
+              </a:spcAft>
+              <a:buClrTx/>
+              <a:buSzTx/>
+              <a:buFontTx/>
+              <a:buNone/>
+              <a:tabLst/>
+              <a:defRPr/>
+            </a:pPr>
+            <a:r>
+              <a:rPr lang="de-DE" dirty="0" smtClean="0"/>
+              <a:t>Cut Off Value: 3.33</a:t>
+            </a:r>
+          </a:p>
+          <a:p>
+            <a:pPr marL="0" marR="0" indent="0" algn="l" defTabSz="457200" rtl="0" eaLnBrk="1" fontAlgn="auto" latinLnBrk="0" hangingPunct="1">
+              <a:lnSpc>
+                <a:spcPct val="100000"/>
+              </a:lnSpc>
+              <a:spcBef>
+                <a:spcPts val="0"/>
+              </a:spcBef>
+              <a:spcAft>
+                <a:spcPts val="0"/>
+              </a:spcAft>
+              <a:buClrTx/>
+              <a:buSzTx/>
+              <a:buFontTx/>
+              <a:buNone/>
+              <a:tabLst/>
+              <a:defRPr/>
+            </a:pPr>
+            <a:r>
+              <a:rPr lang="de-DE" dirty="0" err="1" smtClean="0"/>
+              <a:t>Sensitivity</a:t>
+            </a:r>
+            <a:r>
+              <a:rPr lang="de-DE" dirty="0" smtClean="0"/>
+              <a:t>: 65.45% = </a:t>
+            </a:r>
+            <a:r>
+              <a:rPr lang="de-DE" sz="1200" kern="1200" dirty="0" err="1" smtClean="0">
+                <a:solidFill>
+                  <a:schemeClr val="tx1"/>
+                </a:solidFill>
+                <a:effectLst/>
+                <a:latin typeface="+mn-lt"/>
+                <a:ea typeface="+mn-ea"/>
+                <a:cs typeface="+mn-cs"/>
+              </a:rPr>
+              <a:t>Wieviele</a:t>
+            </a:r>
+            <a:r>
+              <a:rPr lang="de-DE" sz="1200" kern="1200" dirty="0" smtClean="0">
+                <a:solidFill>
+                  <a:schemeClr val="tx1"/>
+                </a:solidFill>
+                <a:effectLst/>
+                <a:latin typeface="+mn-lt"/>
+                <a:ea typeface="+mn-ea"/>
+                <a:cs typeface="+mn-cs"/>
+              </a:rPr>
+              <a:t> der Erkrankten werden erkannt? </a:t>
+            </a:r>
+            <a:endParaRPr lang="de-DE" dirty="0" smtClean="0"/>
+          </a:p>
+          <a:p>
+            <a:pPr marL="0" marR="0" indent="0" algn="l" defTabSz="457200" rtl="0" eaLnBrk="1" fontAlgn="auto" latinLnBrk="0" hangingPunct="1">
+              <a:lnSpc>
+                <a:spcPct val="100000"/>
+              </a:lnSpc>
+              <a:spcBef>
+                <a:spcPts val="0"/>
+              </a:spcBef>
+              <a:spcAft>
+                <a:spcPts val="0"/>
+              </a:spcAft>
+              <a:buClrTx/>
+              <a:buSzTx/>
+              <a:buFontTx/>
+              <a:buNone/>
+              <a:tabLst/>
+              <a:defRPr/>
+            </a:pPr>
+            <a:r>
+              <a:rPr lang="de-DE" dirty="0" err="1" smtClean="0"/>
+              <a:t>Specificity</a:t>
+            </a:r>
+            <a:r>
+              <a:rPr lang="de-DE" dirty="0" smtClean="0"/>
+              <a:t>: 98.37% = </a:t>
+            </a:r>
+            <a:r>
+              <a:rPr lang="de-DE" sz="1200" kern="1200" dirty="0" err="1" smtClean="0">
+                <a:solidFill>
+                  <a:schemeClr val="tx1"/>
+                </a:solidFill>
+                <a:effectLst/>
+                <a:latin typeface="+mn-lt"/>
+                <a:ea typeface="+mn-ea"/>
+                <a:cs typeface="+mn-cs"/>
+              </a:rPr>
+              <a:t>Wieviele</a:t>
+            </a:r>
+            <a:r>
+              <a:rPr lang="de-DE" sz="1200" kern="1200" dirty="0" smtClean="0">
+                <a:solidFill>
+                  <a:schemeClr val="tx1"/>
+                </a:solidFill>
+                <a:effectLst/>
+                <a:latin typeface="+mn-lt"/>
+                <a:ea typeface="+mn-ea"/>
+                <a:cs typeface="+mn-cs"/>
+              </a:rPr>
+              <a:t> der Gesunden sind nach dem Test nicht erkrankt? </a:t>
+            </a:r>
+            <a:endParaRPr lang="de-DE" dirty="0" smtClean="0"/>
+          </a:p>
+        </p:txBody>
+      </p:sp>
+      <p:sp>
+        <p:nvSpPr>
+          <p:cNvPr id="4" name="Foliennummernplatzhalter 3"/>
+          <p:cNvSpPr>
+            <a:spLocks noGrp="1"/>
+          </p:cNvSpPr>
+          <p:nvPr>
+            <p:ph type="sldNum" sz="quarter" idx="10"/>
+          </p:nvPr>
+        </p:nvSpPr>
+        <p:spPr/>
+        <p:txBody>
+          <a:bodyPr/>
+          <a:lstStyle/>
+          <a:p>
+            <a:fld id="{EC42C0DA-5CDA-5446-BF0B-C046EA3775D0}" type="slidenum">
+              <a:rPr lang="de-DE" smtClean="0"/>
+              <a:t>7</a:t>
+            </a:fld>
+            <a:endParaRPr lang="de-DE"/>
+          </a:p>
+        </p:txBody>
+      </p:sp>
+    </p:spTree>
+    <p:extLst>
+      <p:ext uri="{BB962C8B-B14F-4D97-AF65-F5344CB8AC3E}">
+        <p14:creationId xmlns:p14="http://schemas.microsoft.com/office/powerpoint/2010/main" val="3575394247"/>
+      </p:ext>
+    </p:extLst>
+  </p:cSld>
+  <p:clrMapOvr>
+    <a:masterClrMapping/>
+  </p:clrMapOvr>
+</p:notes>
+</file>
+
 <file path=ppt/slideLayouts/slideLayout1.xml><?xml version="1.0" encoding="utf-8"?>
 <p:sldLayout xmlns:a="http://schemas.openxmlformats.org/drawingml/2006/main" xmlns:r="http://schemas.openxmlformats.org/officeDocument/2006/relationships" xmlns:p="http://schemas.openxmlformats.org/presentationml/2006/main" type="title" preserve="1">
   <p:cSld name="Titelfolie">
@@ -688,7 +896,7 @@
           <a:p>
             <a:fld id="{C8EDE061-4032-884A-9DFE-7C63E0B65383}" type="datetime1">
               <a:rPr lang="en-US" smtClean="0"/>
-              <a:t>11/29/2015</a:t>
+              <a:t>30/11/15</a:t>
             </a:fld>
             <a:endParaRPr lang="de-DE"/>
           </a:p>
@@ -1445,7 +1653,7 @@
           <a:p>
             <a:fld id="{B6371A5C-7709-FD4C-B31B-974476BFAC72}" type="datetime1">
               <a:rPr lang="en-US" smtClean="0"/>
-              <a:t>11/29/2015</a:t>
+              <a:t>30/11/15</a:t>
             </a:fld>
             <a:endParaRPr lang="de-DE"/>
           </a:p>
@@ -2069,7 +2277,7 @@
           <a:p>
             <a:fld id="{347C3DCB-1577-534B-AC51-556AE28A68C6}" type="datetime1">
               <a:rPr lang="en-US" smtClean="0"/>
-              <a:t>11/29/2015</a:t>
+              <a:t>30/11/15</a:t>
             </a:fld>
             <a:endParaRPr lang="de-DE"/>
           </a:p>
@@ -2492,7 +2700,7 @@
           <a:p>
             <a:fld id="{D46CD013-FFF3-8A45-982A-F18ECD3C8572}" type="datetime1">
               <a:rPr lang="en-US" smtClean="0"/>
-              <a:t>11/29/2015</a:t>
+              <a:t>30/11/15</a:t>
             </a:fld>
             <a:endParaRPr lang="de-DE"/>
           </a:p>
@@ -2670,7 +2878,7 @@
           <a:p>
             <a:fld id="{D46CD013-FFF3-8A45-982A-F18ECD3C8572}" type="datetime1">
               <a:rPr lang="en-US" smtClean="0"/>
-              <a:t>11/29/2015</a:t>
+              <a:t>30/11/15</a:t>
             </a:fld>
             <a:endParaRPr lang="de-DE"/>
           </a:p>
@@ -3488,7 +3696,7 @@
           <a:p>
             <a:fld id="{D46CD013-FFF3-8A45-982A-F18ECD3C8572}" type="datetime1">
               <a:rPr lang="en-US" smtClean="0"/>
-              <a:t>11/29/2015</a:t>
+              <a:t>30/11/15</a:t>
             </a:fld>
             <a:endParaRPr lang="de-DE"/>
           </a:p>
@@ -4000,7 +4208,7 @@
           <a:p>
             <a:fld id="{4A788BB2-B709-CD41-8752-1A58FB89ADD6}" type="datetime1">
               <a:rPr lang="en-US" smtClean="0"/>
-              <a:t>11/29/2015</a:t>
+              <a:t>30/11/15</a:t>
             </a:fld>
             <a:endParaRPr lang="de-DE"/>
           </a:p>
@@ -4233,7 +4441,7 @@
           <a:p>
             <a:fld id="{0ABB7A6E-CFEC-3849-9413-3D159DA417EC}" type="datetime1">
               <a:rPr lang="en-US" smtClean="0"/>
-              <a:t>11/29/2015</a:t>
+              <a:t>30/11/15</a:t>
             </a:fld>
             <a:endParaRPr lang="de-DE"/>
           </a:p>
@@ -4758,7 +4966,7 @@
           <a:p>
             <a:fld id="{34F7714A-6985-6340-BE41-6F42F3458D80}" type="datetime1">
               <a:rPr lang="en-US" smtClean="0"/>
-              <a:t>11/29/2015</a:t>
+              <a:t>30/11/15</a:t>
             </a:fld>
             <a:endParaRPr lang="de-DE"/>
           </a:p>
@@ -4893,7 +5101,7 @@
           <a:p>
             <a:fld id="{8BEA5ACB-B64A-3F47-89A9-89903A53E802}" type="datetime1">
               <a:rPr lang="en-US" smtClean="0"/>
-              <a:t>11/29/2015</a:t>
+              <a:t>30/11/15</a:t>
             </a:fld>
             <a:endParaRPr lang="de-DE"/>
           </a:p>
@@ -5791,7 +5999,7 @@
           <a:p>
             <a:fld id="{9516BBEE-0774-8D43-B124-2F0CF7A966F8}" type="datetime1">
               <a:rPr lang="en-US" smtClean="0"/>
-              <a:t>11/29/2015</a:t>
+              <a:t>30/11/15</a:t>
             </a:fld>
             <a:endParaRPr lang="de-DE"/>
           </a:p>
@@ -5914,7 +6122,7 @@
           <a:p>
             <a:fld id="{D46CD013-FFF3-8A45-982A-F18ECD3C8572}" type="datetime1">
               <a:rPr lang="en-US" smtClean="0"/>
-              <a:t>11/29/2015</a:t>
+              <a:t>30/11/15</a:t>
             </a:fld>
             <a:endParaRPr lang="de-DE"/>
           </a:p>
@@ -6799,7 +7007,7 @@
           <a:p>
             <a:fld id="{90DCA051-A425-7C41-BF3C-189DFF4DD62E}" type="datetime1">
               <a:rPr lang="en-US" smtClean="0"/>
-              <a:t>11/29/2015</a:t>
+              <a:t>30/11/15</a:t>
             </a:fld>
             <a:endParaRPr lang="de-DE"/>
           </a:p>
@@ -7447,7 +7655,7 @@
           <a:p>
             <a:fld id="{5AC68997-A3CC-8B44-AFBD-54E4CAEB47D8}" type="datetime1">
               <a:rPr lang="en-US" smtClean="0"/>
-              <a:t>11/29/2015</a:t>
+              <a:t>30/11/15</a:t>
             </a:fld>
             <a:endParaRPr lang="de-DE"/>
           </a:p>
@@ -7763,7 +7971,7 @@
           <a:p>
             <a:fld id="{CEC8C745-00F6-B943-9705-4183F45970A1}" type="datetime1">
               <a:rPr lang="en-US" smtClean="0"/>
-              <a:t>11/29/2015</a:t>
+              <a:t>30/11/15</a:t>
             </a:fld>
             <a:endParaRPr lang="de-DE"/>
           </a:p>
@@ -7853,7 +8061,7 @@
           <a:p>
             <a:fld id="{4018004E-44A1-5D4C-A888-439542EE05DD}" type="datetime1">
               <a:rPr lang="en-US" smtClean="0"/>
-              <a:t>11/29/2015</a:t>
+              <a:t>30/11/15</a:t>
             </a:fld>
             <a:endParaRPr lang="de-DE"/>
           </a:p>
@@ -8181,7 +8389,7 @@
           <a:p>
             <a:fld id="{D46CD013-FFF3-8A45-982A-F18ECD3C8572}" type="datetime1">
               <a:rPr lang="en-US" smtClean="0"/>
-              <a:t>11/29/2015</a:t>
+              <a:t>30/11/15</a:t>
             </a:fld>
             <a:endParaRPr lang="de-DE"/>
           </a:p>
@@ -8792,7 +9000,7 @@
   <p:timing>
     <p:tnLst>
       <p:par>
-        <p:cTn id="1" dur="indefinite" restart="never" nodeType="tmRoot"/>
+        <p:cTn xmlns:p14="http://schemas.microsoft.com/office/powerpoint/2010/main" id="1" dur="indefinite" restart="never" nodeType="tmRoot"/>
       </p:par>
     </p:tnLst>
   </p:timing>
@@ -8861,7 +9069,7 @@
           <a:p>
             <a:fld id="{34F7714A-6985-6340-BE41-6F42F3458D80}" type="datetime1">
               <a:rPr lang="en-US" smtClean="0"/>
-              <a:t>11/29/2015</a:t>
+              <a:t>30/11/15</a:t>
             </a:fld>
             <a:endParaRPr lang="de-DE" dirty="0"/>
           </a:p>
@@ -8954,7 +9162,7 @@
   <p:timing>
     <p:tnLst>
       <p:par>
-        <p:cTn id="1" dur="indefinite" restart="never" nodeType="tmRoot"/>
+        <p:cTn xmlns:p14="http://schemas.microsoft.com/office/powerpoint/2010/main" id="1" dur="indefinite" restart="never" nodeType="tmRoot"/>
       </p:par>
     </p:tnLst>
   </p:timing>
@@ -9070,7 +9278,7 @@
           <a:p>
             <a:fld id="{34F7714A-6985-6340-BE41-6F42F3458D80}" type="datetime1">
               <a:rPr lang="en-US" smtClean="0"/>
-              <a:t>11/29/2015</a:t>
+              <a:t>30/11/15</a:t>
             </a:fld>
             <a:endParaRPr lang="de-DE" dirty="0"/>
           </a:p>
@@ -9163,7 +9371,7 @@
   <p:timing>
     <p:tnLst>
       <p:par>
-        <p:cTn id="1" dur="indefinite" restart="never" nodeType="tmRoot"/>
+        <p:cTn xmlns:p14="http://schemas.microsoft.com/office/powerpoint/2010/main" id="1" dur="indefinite" restart="never" nodeType="tmRoot"/>
       </p:par>
     </p:tnLst>
   </p:timing>
@@ -9275,7 +9483,7 @@
           <a:p>
             <a:fld id="{34F7714A-6985-6340-BE41-6F42F3458D80}" type="datetime1">
               <a:rPr lang="en-US" smtClean="0"/>
-              <a:t>11/29/2015</a:t>
+              <a:t>30/11/15</a:t>
             </a:fld>
             <a:endParaRPr lang="de-DE"/>
           </a:p>
@@ -9326,7 +9534,7 @@
       </p:sp>
       <p:pic>
         <p:nvPicPr>
-          <p:cNvPr id="7" name="Bild 6" descr="Screen Shot 2015-11-29 at 13.37.12.png"/>
+          <p:cNvPr id="6" name="Bild 5" descr="Screen Shot 2015-11-30 at 13.29.14.png"/>
           <p:cNvPicPr>
             <a:picLocks noChangeAspect="1"/>
           </p:cNvPicPr>
@@ -9346,8 +9554,8 @@
         </p:blipFill>
         <p:spPr>
           <a:xfrm>
-            <a:off x="2197100" y="3113690"/>
-            <a:ext cx="4749800" cy="2019300"/>
+            <a:off x="876300" y="2966720"/>
+            <a:ext cx="7391400" cy="2489200"/>
           </a:xfrm>
           <a:prstGeom prst="rect">
             <a:avLst/>
@@ -9367,7 +9575,7 @@
   <p:timing>
     <p:tnLst>
       <p:par>
-        <p:cTn id="1" dur="indefinite" restart="never" nodeType="tmRoot"/>
+        <p:cTn xmlns:p14="http://schemas.microsoft.com/office/powerpoint/2010/main" id="1" dur="indefinite" restart="never" nodeType="tmRoot"/>
       </p:par>
     </p:tnLst>
   </p:timing>
@@ -9415,8 +9623,12 @@
               <a:t> </a:t>
             </a:r>
             <a:r>
+              <a:rPr lang="de-DE" dirty="0" err="1"/>
+              <a:t>S</a:t>
+            </a:r>
+            <a:r>
               <a:rPr lang="de-DE" dirty="0" err="1" smtClean="0"/>
-              <a:t>scores</a:t>
+              <a:t>cores</a:t>
             </a:r>
             <a:endParaRPr lang="de-DE" dirty="0"/>
           </a:p>
@@ -9479,7 +9691,7 @@
           <a:p>
             <a:fld id="{34F7714A-6985-6340-BE41-6F42F3458D80}" type="datetime1">
               <a:rPr lang="en-US" smtClean="0"/>
-              <a:t>11/29/2015</a:t>
+              <a:t>30/11/15</a:t>
             </a:fld>
             <a:endParaRPr lang="de-DE"/>
           </a:p>
@@ -9571,7 +9783,7 @@
   <p:timing>
     <p:tnLst>
       <p:par>
-        <p:cTn id="1" dur="indefinite" restart="never" nodeType="tmRoot"/>
+        <p:cTn xmlns:p14="http://schemas.microsoft.com/office/powerpoint/2010/main" id="1" dur="indefinite" restart="never" nodeType="tmRoot"/>
       </p:par>
     </p:tnLst>
   </p:timing>
@@ -9612,7 +9824,15 @@
           <a:p>
             <a:r>
               <a:rPr lang="de-DE" dirty="0" smtClean="0"/>
-              <a:t>Cut Off 	1/2</a:t>
+              <a:t>Cut Off 	</a:t>
+            </a:r>
+            <a:r>
+              <a:rPr lang="de-DE" dirty="0" smtClean="0"/>
+              <a:t>1/</a:t>
+            </a:r>
+            <a:r>
+              <a:rPr lang="de-DE" dirty="0" smtClean="0"/>
+              <a:t>2</a:t>
             </a:r>
             <a:endParaRPr lang="de-DE" dirty="0"/>
           </a:p>
@@ -9640,7 +9860,7 @@
           <a:p>
             <a:fld id="{34F7714A-6985-6340-BE41-6F42F3458D80}" type="datetime1">
               <a:rPr lang="en-US" smtClean="0"/>
-              <a:t>11/29/2015</a:t>
+              <a:t>30/11/15</a:t>
             </a:fld>
             <a:endParaRPr lang="de-DE"/>
           </a:p>
@@ -9727,7 +9947,7 @@
   <p:timing>
     <p:tnLst>
       <p:par>
-        <p:cTn id="1" dur="indefinite" restart="never" nodeType="tmRoot"/>
+        <p:cTn xmlns:p14="http://schemas.microsoft.com/office/powerpoint/2010/main" id="1" dur="indefinite" restart="never" nodeType="tmRoot"/>
       </p:par>
     </p:tnLst>
   </p:timing>
@@ -9768,7 +9988,15 @@
           <a:p>
             <a:r>
               <a:rPr lang="de-DE" dirty="0" smtClean="0"/>
-              <a:t>Cut Off 	2/2</a:t>
+              <a:t>Cut Off 	</a:t>
+            </a:r>
+            <a:r>
+              <a:rPr lang="de-DE" dirty="0" smtClean="0"/>
+              <a:t>2/</a:t>
+            </a:r>
+            <a:r>
+              <a:rPr lang="de-DE" dirty="0" smtClean="0"/>
+              <a:t>2</a:t>
             </a:r>
             <a:endParaRPr lang="de-DE" dirty="0"/>
           </a:p>
@@ -9785,7 +10013,7 @@
           </p:nvPr>
         </p:nvPicPr>
         <p:blipFill>
-          <a:blip r:embed="rId2">
+          <a:blip r:embed="rId3">
             <a:extLst>
               <a:ext uri="{28A0092B-C50C-407E-A947-70E740481C1C}">
                 <a14:useLocalDpi xmlns:a14="http://schemas.microsoft.com/office/drawing/2010/main" val="0"/>
@@ -9821,7 +10049,7 @@
           <a:p>
             <a:fld id="{34F7714A-6985-6340-BE41-6F42F3458D80}" type="datetime1">
               <a:rPr lang="en-US" smtClean="0"/>
-              <a:t>11/29/2015</a:t>
+              <a:t>30/11/15</a:t>
             </a:fld>
             <a:endParaRPr lang="de-DE"/>
           </a:p>
@@ -9883,7 +10111,7 @@
   <p:timing>
     <p:tnLst>
       <p:par>
-        <p:cTn id="1" dur="indefinite" restart="never" nodeType="tmRoot"/>
+        <p:cTn xmlns:p14="http://schemas.microsoft.com/office/powerpoint/2010/main" id="1" dur="indefinite" restart="never" nodeType="tmRoot"/>
       </p:par>
     </p:tnLst>
   </p:timing>
@@ -9989,7 +10217,7 @@
           <a:p>
             <a:fld id="{34F7714A-6985-6340-BE41-6F42F3458D80}" type="datetime1">
               <a:rPr lang="en-US" smtClean="0"/>
-              <a:t>11/29/2015</a:t>
+              <a:t>30/11/15</a:t>
             </a:fld>
             <a:endParaRPr lang="de-DE"/>
           </a:p>
@@ -10051,7 +10279,7 @@
   <p:timing>
     <p:tnLst>
       <p:par>
-        <p:cTn id="1" dur="indefinite" restart="never" nodeType="tmRoot"/>
+        <p:cTn xmlns:p14="http://schemas.microsoft.com/office/powerpoint/2010/main" id="1" dur="indefinite" restart="never" nodeType="tmRoot"/>
       </p:par>
     </p:tnLst>
   </p:timing>
@@ -10145,7 +10373,7 @@
           <a:p>
             <a:fld id="{34F7714A-6985-6340-BE41-6F42F3458D80}" type="datetime1">
               <a:rPr lang="en-US" smtClean="0"/>
-              <a:t>11/29/2015</a:t>
+              <a:t>30/11/15</a:t>
             </a:fld>
             <a:endParaRPr lang="de-DE"/>
           </a:p>
@@ -10207,7 +10435,7 @@
   <p:timing>
     <p:tnLst>
       <p:par>
-        <p:cTn id="1" dur="indefinite" restart="never" nodeType="tmRoot"/>
+        <p:cTn xmlns:p14="http://schemas.microsoft.com/office/powerpoint/2010/main" id="1" dur="indefinite" restart="never" nodeType="tmRoot"/>
       </p:par>
     </p:tnLst>
   </p:timing>
